--- a/ROS.pptx
+++ b/ROS.pptx
@@ -6,6 +6,7 @@
   </p:sldMasterIdLst>
   <p:sldIdLst>
     <p:sldId id="257" r:id="rId2"/>
+    <p:sldId id="258" r:id="rId3"/>
   </p:sldIdLst>
   <p:sldSz cx="12192000" cy="6858000"/>
   <p:notesSz cx="6858000" cy="9144000"/>
@@ -3379,14 +3380,14 @@
           <p:nvPr>
             <p:extLst>
               <p:ext uri="{D42A27DB-BD31-4B8C-83A1-F6EECF244321}">
-                <p14:modId xmlns:p14="http://schemas.microsoft.com/office/powerpoint/2010/main" val="4275754139"/>
+                <p14:modId xmlns:p14="http://schemas.microsoft.com/office/powerpoint/2010/main" val="233798424"/>
               </p:ext>
             </p:extLst>
           </p:nvPr>
         </p:nvGraphicFramePr>
         <p:xfrm>
           <a:off x="139124" y="742778"/>
-          <a:ext cx="11913751" cy="6483402"/>
+          <a:ext cx="11913751" cy="6065025"/>
         </p:xfrm>
         <a:graphic>
           <a:graphicData uri="http://schemas.openxmlformats.org/drawingml/2006/table">
@@ -3400,7 +3401,7 @@
                 <a:gridCol w="2637050"/>
                 <a:gridCol w="5603730"/>
               </a:tblGrid>
-              <a:tr h="476538">
+              <a:tr h="356995">
                 <a:tc>
                   <a:txBody>
                     <a:bodyPr/>
@@ -3606,7 +3607,7 @@
                   </a:tcPr>
                 </a:tc>
               </a:tr>
-              <a:tr h="476538">
+              <a:tr h="624742">
                 <a:tc rowSpan="3">
                   <a:txBody>
                     <a:bodyPr/>
@@ -3851,7 +3852,7 @@
                   </a:tcPr>
                 </a:tc>
               </a:tr>
-              <a:tr h="476538">
+              <a:tr h="624742">
                 <a:tc vMerge="1">
                   <a:txBody>
                     <a:bodyPr/>
@@ -4075,7 +4076,7 @@
                   </a:tcPr>
                 </a:tc>
               </a:tr>
-              <a:tr h="476538">
+              <a:tr h="373857">
                 <a:tc vMerge="1">
                   <a:txBody>
                     <a:bodyPr/>
@@ -4285,8 +4286,8 @@
                   </a:tcPr>
                 </a:tc>
               </a:tr>
-              <a:tr h="476538">
-                <a:tc>
+              <a:tr h="892488">
+                <a:tc rowSpan="5">
                   <a:txBody>
                     <a:bodyPr/>
                     <a:lstStyle/>
@@ -4515,8 +4516,8 @@
                   </a:tcPr>
                 </a:tc>
               </a:tr>
-              <a:tr h="476538">
-                <a:tc>
+              <a:tr h="460848">
+                <a:tc vMerge="1">
                   <a:txBody>
                     <a:bodyPr/>
                     <a:lstStyle/>
@@ -4568,6 +4569,10 @@
                     <a:bodyPr/>
                     <a:lstStyle/>
                     <a:p>
+                      <a:r>
+                        <a:rPr kumimoji="1" lang="en-US" altLang="ja-JP" dirty="0" smtClean="0"/>
+                        <a:t>list</a:t>
+                      </a:r>
                       <a:endParaRPr kumimoji="1" lang="ja-JP" altLang="en-US" dirty="0"/>
                     </a:p>
                   </a:txBody>
@@ -4611,6 +4616,114 @@
                   </a:tcPr>
                 </a:tc>
                 <a:tc>
+                  <a:txBody>
+                    <a:bodyPr/>
+                    <a:lstStyle/>
+                    <a:p>
+                      <a:r>
+                        <a:rPr kumimoji="1" lang="ja-JP" altLang="en-US" dirty="0" smtClean="0"/>
+                        <a:t>一覧の表示</a:t>
+                      </a:r>
+                      <a:endParaRPr kumimoji="1" lang="ja-JP" altLang="en-US" dirty="0"/>
+                    </a:p>
+                  </a:txBody>
+                  <a:tcPr>
+                    <a:lnL w="12700" cap="flat" cmpd="sng" algn="ctr">
+                      <a:solidFill>
+                        <a:schemeClr val="tx1"/>
+                      </a:solidFill>
+                      <a:prstDash val="solid"/>
+                      <a:round/>
+                      <a:headEnd type="none" w="med" len="med"/>
+                      <a:tailEnd type="none" w="med" len="med"/>
+                    </a:lnL>
+                    <a:lnR w="12700" cap="flat" cmpd="sng" algn="ctr">
+                      <a:solidFill>
+                        <a:schemeClr val="tx1"/>
+                      </a:solidFill>
+                      <a:prstDash val="solid"/>
+                      <a:round/>
+                      <a:headEnd type="none" w="med" len="med"/>
+                      <a:tailEnd type="none" w="med" len="med"/>
+                    </a:lnR>
+                    <a:lnT w="12700" cap="flat" cmpd="sng" algn="ctr">
+                      <a:solidFill>
+                        <a:schemeClr val="tx1"/>
+                      </a:solidFill>
+                      <a:prstDash val="solid"/>
+                      <a:round/>
+                      <a:headEnd type="none" w="med" len="med"/>
+                      <a:tailEnd type="none" w="med" len="med"/>
+                    </a:lnT>
+                    <a:lnB w="12700" cap="flat" cmpd="sng" algn="ctr">
+                      <a:solidFill>
+                        <a:schemeClr val="tx1"/>
+                      </a:solidFill>
+                      <a:prstDash val="solid"/>
+                      <a:round/>
+                      <a:headEnd type="none" w="med" len="med"/>
+                      <a:tailEnd type="none" w="med" len="med"/>
+                    </a:lnB>
+                  </a:tcPr>
+                </a:tc>
+                <a:tc>
+                  <a:txBody>
+                    <a:bodyPr/>
+                    <a:lstStyle/>
+                    <a:p>
+                      <a:r>
+                        <a:rPr kumimoji="1" lang="en-US" altLang="ja-JP" dirty="0" err="1" smtClean="0"/>
+                        <a:t>rostopic</a:t>
+                      </a:r>
+                      <a:r>
+                        <a:rPr kumimoji="1" lang="en-US" altLang="ja-JP" baseline="0" dirty="0" smtClean="0"/>
+                        <a:t> list</a:t>
+                      </a:r>
+                      <a:endParaRPr kumimoji="1" lang="ja-JP" altLang="en-US" dirty="0"/>
+                    </a:p>
+                  </a:txBody>
+                  <a:tcPr>
+                    <a:lnL w="12700" cap="flat" cmpd="sng" algn="ctr">
+                      <a:solidFill>
+                        <a:schemeClr val="tx1"/>
+                      </a:solidFill>
+                      <a:prstDash val="solid"/>
+                      <a:round/>
+                      <a:headEnd type="none" w="med" len="med"/>
+                      <a:tailEnd type="none" w="med" len="med"/>
+                    </a:lnL>
+                    <a:lnR w="12700" cap="flat" cmpd="sng" algn="ctr">
+                      <a:solidFill>
+                        <a:schemeClr val="tx1"/>
+                      </a:solidFill>
+                      <a:prstDash val="solid"/>
+                      <a:round/>
+                      <a:headEnd type="none" w="med" len="med"/>
+                      <a:tailEnd type="none" w="med" len="med"/>
+                    </a:lnR>
+                    <a:lnT w="12700" cap="flat" cmpd="sng" algn="ctr">
+                      <a:solidFill>
+                        <a:schemeClr val="tx1"/>
+                      </a:solidFill>
+                      <a:prstDash val="solid"/>
+                      <a:round/>
+                      <a:headEnd type="none" w="med" len="med"/>
+                      <a:tailEnd type="none" w="med" len="med"/>
+                    </a:lnT>
+                    <a:lnB w="12700" cap="flat" cmpd="sng" algn="ctr">
+                      <a:solidFill>
+                        <a:schemeClr val="tx1"/>
+                      </a:solidFill>
+                      <a:prstDash val="solid"/>
+                      <a:round/>
+                      <a:headEnd type="none" w="med" len="med"/>
+                      <a:tailEnd type="none" w="med" len="med"/>
+                    </a:lnB>
+                  </a:tcPr>
+                </a:tc>
+              </a:tr>
+              <a:tr h="460848">
+                <a:tc vMerge="1">
                   <a:txBody>
                     <a:bodyPr/>
                     <a:lstStyle/>
@@ -4662,6 +4775,10 @@
                     <a:bodyPr/>
                     <a:lstStyle/>
                     <a:p>
+                      <a:r>
+                        <a:rPr kumimoji="1" lang="en-US" altLang="ja-JP" dirty="0" smtClean="0"/>
+                        <a:t>info</a:t>
+                      </a:r>
                       <a:endParaRPr kumimoji="1" lang="ja-JP" altLang="en-US" dirty="0"/>
                     </a:p>
                   </a:txBody>
@@ -4704,9 +4821,812 @@
                     </a:lnB>
                   </a:tcPr>
                 </a:tc>
+                <a:tc>
+                  <a:txBody>
+                    <a:bodyPr/>
+                    <a:lstStyle/>
+                    <a:p>
+                      <a:r>
+                        <a:rPr kumimoji="1" lang="ja-JP" altLang="en-US" dirty="0" smtClean="0"/>
+                        <a:t>トピック情報の表示</a:t>
+                      </a:r>
+                      <a:endParaRPr kumimoji="1" lang="ja-JP" altLang="en-US" dirty="0"/>
+                    </a:p>
+                  </a:txBody>
+                  <a:tcPr>
+                    <a:lnL w="12700" cap="flat" cmpd="sng" algn="ctr">
+                      <a:solidFill>
+                        <a:schemeClr val="tx1"/>
+                      </a:solidFill>
+                      <a:prstDash val="solid"/>
+                      <a:round/>
+                      <a:headEnd type="none" w="med" len="med"/>
+                      <a:tailEnd type="none" w="med" len="med"/>
+                    </a:lnL>
+                    <a:lnR w="12700" cap="flat" cmpd="sng" algn="ctr">
+                      <a:solidFill>
+                        <a:schemeClr val="tx1"/>
+                      </a:solidFill>
+                      <a:prstDash val="solid"/>
+                      <a:round/>
+                      <a:headEnd type="none" w="med" len="med"/>
+                      <a:tailEnd type="none" w="med" len="med"/>
+                    </a:lnR>
+                    <a:lnT w="12700" cap="flat" cmpd="sng" algn="ctr">
+                      <a:solidFill>
+                        <a:schemeClr val="tx1"/>
+                      </a:solidFill>
+                      <a:prstDash val="solid"/>
+                      <a:round/>
+                      <a:headEnd type="none" w="med" len="med"/>
+                      <a:tailEnd type="none" w="med" len="med"/>
+                    </a:lnT>
+                    <a:lnB w="12700" cap="flat" cmpd="sng" algn="ctr">
+                      <a:solidFill>
+                        <a:schemeClr val="tx1"/>
+                      </a:solidFill>
+                      <a:prstDash val="solid"/>
+                      <a:round/>
+                      <a:headEnd type="none" w="med" len="med"/>
+                      <a:tailEnd type="none" w="med" len="med"/>
+                    </a:lnB>
+                  </a:tcPr>
+                </a:tc>
+                <a:tc>
+                  <a:txBody>
+                    <a:bodyPr/>
+                    <a:lstStyle/>
+                    <a:p>
+                      <a:r>
+                        <a:rPr kumimoji="1" lang="en-US" altLang="ja-JP" dirty="0" err="1" smtClean="0"/>
+                        <a:t>rostopic</a:t>
+                      </a:r>
+                      <a:r>
+                        <a:rPr kumimoji="1" lang="en-US" altLang="ja-JP" baseline="0" dirty="0" smtClean="0"/>
+                        <a:t> info /</a:t>
+                      </a:r>
+                      <a:r>
+                        <a:rPr kumimoji="1" lang="en-US" altLang="ja-JP" baseline="0" dirty="0" err="1" smtClean="0"/>
+                        <a:t>hoge_topic</a:t>
+                      </a:r>
+                      <a:endParaRPr kumimoji="1" lang="ja-JP" altLang="en-US" dirty="0"/>
+                    </a:p>
+                  </a:txBody>
+                  <a:tcPr>
+                    <a:lnL w="12700" cap="flat" cmpd="sng" algn="ctr">
+                      <a:solidFill>
+                        <a:schemeClr val="tx1"/>
+                      </a:solidFill>
+                      <a:prstDash val="solid"/>
+                      <a:round/>
+                      <a:headEnd type="none" w="med" len="med"/>
+                      <a:tailEnd type="none" w="med" len="med"/>
+                    </a:lnL>
+                    <a:lnR w="12700" cap="flat" cmpd="sng" algn="ctr">
+                      <a:solidFill>
+                        <a:schemeClr val="tx1"/>
+                      </a:solidFill>
+                      <a:prstDash val="solid"/>
+                      <a:round/>
+                      <a:headEnd type="none" w="med" len="med"/>
+                      <a:tailEnd type="none" w="med" len="med"/>
+                    </a:lnR>
+                    <a:lnT w="12700" cap="flat" cmpd="sng" algn="ctr">
+                      <a:solidFill>
+                        <a:schemeClr val="tx1"/>
+                      </a:solidFill>
+                      <a:prstDash val="solid"/>
+                      <a:round/>
+                      <a:headEnd type="none" w="med" len="med"/>
+                      <a:tailEnd type="none" w="med" len="med"/>
+                    </a:lnT>
+                    <a:lnB w="12700" cap="flat" cmpd="sng" algn="ctr">
+                      <a:solidFill>
+                        <a:schemeClr val="tx1"/>
+                      </a:solidFill>
+                      <a:prstDash val="solid"/>
+                      <a:round/>
+                      <a:headEnd type="none" w="med" len="med"/>
+                      <a:tailEnd type="none" w="med" len="med"/>
+                    </a:lnB>
+                  </a:tcPr>
+                </a:tc>
               </a:tr>
-              <a:tr h="476538">
+              <a:tr h="460848">
+                <a:tc vMerge="1">
+                  <a:txBody>
+                    <a:bodyPr/>
+                    <a:lstStyle/>
+                    <a:p>
+                      <a:pPr marL="0" marR="0" lvl="0" indent="0" algn="l" defTabSz="914400" rtl="0" eaLnBrk="1" fontAlgn="auto" latinLnBrk="0" hangingPunct="1">
+                        <a:lnSpc>
+                          <a:spcPct val="100000"/>
+                        </a:lnSpc>
+                        <a:spcBef>
+                          <a:spcPts val="0"/>
+                        </a:spcBef>
+                        <a:spcAft>
+                          <a:spcPts val="0"/>
+                        </a:spcAft>
+                        <a:buClrTx/>
+                        <a:buSzTx/>
+                        <a:buFontTx/>
+                        <a:buNone/>
+                        <a:tabLst/>
+                        <a:defRPr/>
+                      </a:pPr>
+                      <a:endParaRPr kumimoji="1" lang="ja-JP" altLang="en-US" dirty="0" smtClean="0"/>
+                    </a:p>
+                  </a:txBody>
+                  <a:tcPr>
+                    <a:lnL w="12700" cap="flat" cmpd="sng" algn="ctr">
+                      <a:solidFill>
+                        <a:schemeClr val="tx1"/>
+                      </a:solidFill>
+                      <a:prstDash val="solid"/>
+                      <a:round/>
+                      <a:headEnd type="none" w="med" len="med"/>
+                      <a:tailEnd type="none" w="med" len="med"/>
+                    </a:lnL>
+                    <a:lnR w="12700" cap="flat" cmpd="sng" algn="ctr">
+                      <a:solidFill>
+                        <a:schemeClr val="tx1"/>
+                      </a:solidFill>
+                      <a:prstDash val="solid"/>
+                      <a:round/>
+                      <a:headEnd type="none" w="med" len="med"/>
+                      <a:tailEnd type="none" w="med" len="med"/>
+                    </a:lnR>
+                    <a:lnT w="12700" cap="flat" cmpd="sng" algn="ctr">
+                      <a:solidFill>
+                        <a:schemeClr val="tx1"/>
+                      </a:solidFill>
+                      <a:prstDash val="solid"/>
+                      <a:round/>
+                      <a:headEnd type="none" w="med" len="med"/>
+                      <a:tailEnd type="none" w="med" len="med"/>
+                    </a:lnT>
+                    <a:lnB w="12700" cap="flat" cmpd="sng" algn="ctr">
+                      <a:solidFill>
+                        <a:schemeClr val="tx1"/>
+                      </a:solidFill>
+                      <a:prstDash val="solid"/>
+                      <a:round/>
+                      <a:headEnd type="none" w="med" len="med"/>
+                      <a:tailEnd type="none" w="med" len="med"/>
+                    </a:lnB>
+                  </a:tcPr>
+                </a:tc>
                 <a:tc>
+                  <a:txBody>
+                    <a:bodyPr/>
+                    <a:lstStyle/>
+                    <a:p>
+                      <a:r>
+                        <a:rPr kumimoji="1" lang="en-US" altLang="ja-JP" dirty="0" smtClean="0"/>
+                        <a:t>type</a:t>
+                      </a:r>
+                      <a:endParaRPr kumimoji="1" lang="ja-JP" altLang="en-US" dirty="0"/>
+                    </a:p>
+                  </a:txBody>
+                  <a:tcPr>
+                    <a:lnL w="12700" cap="flat" cmpd="sng" algn="ctr">
+                      <a:solidFill>
+                        <a:schemeClr val="tx1"/>
+                      </a:solidFill>
+                      <a:prstDash val="solid"/>
+                      <a:round/>
+                      <a:headEnd type="none" w="med" len="med"/>
+                      <a:tailEnd type="none" w="med" len="med"/>
+                    </a:lnL>
+                    <a:lnR w="12700" cap="flat" cmpd="sng" algn="ctr">
+                      <a:solidFill>
+                        <a:schemeClr val="tx1"/>
+                      </a:solidFill>
+                      <a:prstDash val="solid"/>
+                      <a:round/>
+                      <a:headEnd type="none" w="med" len="med"/>
+                      <a:tailEnd type="none" w="med" len="med"/>
+                    </a:lnR>
+                    <a:lnT w="12700" cap="flat" cmpd="sng" algn="ctr">
+                      <a:solidFill>
+                        <a:schemeClr val="tx1"/>
+                      </a:solidFill>
+                      <a:prstDash val="solid"/>
+                      <a:round/>
+                      <a:headEnd type="none" w="med" len="med"/>
+                      <a:tailEnd type="none" w="med" len="med"/>
+                    </a:lnT>
+                    <a:lnB w="12700" cap="flat" cmpd="sng" algn="ctr">
+                      <a:solidFill>
+                        <a:schemeClr val="tx1"/>
+                      </a:solidFill>
+                      <a:prstDash val="solid"/>
+                      <a:round/>
+                      <a:headEnd type="none" w="med" len="med"/>
+                      <a:tailEnd type="none" w="med" len="med"/>
+                    </a:lnB>
+                  </a:tcPr>
+                </a:tc>
+                <a:tc>
+                  <a:txBody>
+                    <a:bodyPr/>
+                    <a:lstStyle/>
+                    <a:p>
+                      <a:r>
+                        <a:rPr kumimoji="1" lang="ja-JP" altLang="en-US" dirty="0" smtClean="0"/>
+                        <a:t>メッセージ型の確認</a:t>
+                      </a:r>
+                      <a:endParaRPr kumimoji="1" lang="ja-JP" altLang="en-US" dirty="0"/>
+                    </a:p>
+                  </a:txBody>
+                  <a:tcPr>
+                    <a:lnL w="12700" cap="flat" cmpd="sng" algn="ctr">
+                      <a:solidFill>
+                        <a:schemeClr val="tx1"/>
+                      </a:solidFill>
+                      <a:prstDash val="solid"/>
+                      <a:round/>
+                      <a:headEnd type="none" w="med" len="med"/>
+                      <a:tailEnd type="none" w="med" len="med"/>
+                    </a:lnL>
+                    <a:lnR w="12700" cap="flat" cmpd="sng" algn="ctr">
+                      <a:solidFill>
+                        <a:schemeClr val="tx1"/>
+                      </a:solidFill>
+                      <a:prstDash val="solid"/>
+                      <a:round/>
+                      <a:headEnd type="none" w="med" len="med"/>
+                      <a:tailEnd type="none" w="med" len="med"/>
+                    </a:lnR>
+                    <a:lnT w="12700" cap="flat" cmpd="sng" algn="ctr">
+                      <a:solidFill>
+                        <a:schemeClr val="tx1"/>
+                      </a:solidFill>
+                      <a:prstDash val="solid"/>
+                      <a:round/>
+                      <a:headEnd type="none" w="med" len="med"/>
+                      <a:tailEnd type="none" w="med" len="med"/>
+                    </a:lnT>
+                    <a:lnB w="12700" cap="flat" cmpd="sng" algn="ctr">
+                      <a:solidFill>
+                        <a:schemeClr val="tx1"/>
+                      </a:solidFill>
+                      <a:prstDash val="solid"/>
+                      <a:round/>
+                      <a:headEnd type="none" w="med" len="med"/>
+                      <a:tailEnd type="none" w="med" len="med"/>
+                    </a:lnB>
+                  </a:tcPr>
+                </a:tc>
+                <a:tc>
+                  <a:txBody>
+                    <a:bodyPr/>
+                    <a:lstStyle/>
+                    <a:p>
+                      <a:r>
+                        <a:rPr kumimoji="1" lang="en-US" altLang="ja-JP" dirty="0" err="1" smtClean="0"/>
+                        <a:t>rostopic</a:t>
+                      </a:r>
+                      <a:r>
+                        <a:rPr kumimoji="1" lang="en-US" altLang="ja-JP" baseline="0" dirty="0" smtClean="0"/>
+                        <a:t> type /</a:t>
+                      </a:r>
+                      <a:r>
+                        <a:rPr kumimoji="1" lang="en-US" altLang="ja-JP" baseline="0" dirty="0" err="1" smtClean="0"/>
+                        <a:t>hoge_topic</a:t>
+                      </a:r>
+                      <a:endParaRPr kumimoji="1" lang="ja-JP" altLang="en-US" dirty="0"/>
+                    </a:p>
+                  </a:txBody>
+                  <a:tcPr>
+                    <a:lnL w="12700" cap="flat" cmpd="sng" algn="ctr">
+                      <a:solidFill>
+                        <a:schemeClr val="tx1"/>
+                      </a:solidFill>
+                      <a:prstDash val="solid"/>
+                      <a:round/>
+                      <a:headEnd type="none" w="med" len="med"/>
+                      <a:tailEnd type="none" w="med" len="med"/>
+                    </a:lnL>
+                    <a:lnR w="12700" cap="flat" cmpd="sng" algn="ctr">
+                      <a:solidFill>
+                        <a:schemeClr val="tx1"/>
+                      </a:solidFill>
+                      <a:prstDash val="solid"/>
+                      <a:round/>
+                      <a:headEnd type="none" w="med" len="med"/>
+                      <a:tailEnd type="none" w="med" len="med"/>
+                    </a:lnR>
+                    <a:lnT w="12700" cap="flat" cmpd="sng" algn="ctr">
+                      <a:solidFill>
+                        <a:schemeClr val="tx1"/>
+                      </a:solidFill>
+                      <a:prstDash val="solid"/>
+                      <a:round/>
+                      <a:headEnd type="none" w="med" len="med"/>
+                      <a:tailEnd type="none" w="med" len="med"/>
+                    </a:lnT>
+                    <a:lnB w="12700" cap="flat" cmpd="sng" algn="ctr">
+                      <a:solidFill>
+                        <a:schemeClr val="tx1"/>
+                      </a:solidFill>
+                      <a:prstDash val="solid"/>
+                      <a:round/>
+                      <a:headEnd type="none" w="med" len="med"/>
+                      <a:tailEnd type="none" w="med" len="med"/>
+                    </a:lnB>
+                  </a:tcPr>
+                </a:tc>
+              </a:tr>
+              <a:tr h="460848">
+                <a:tc vMerge="1">
+                  <a:txBody>
+                    <a:bodyPr/>
+                    <a:lstStyle/>
+                    <a:p>
+                      <a:pPr marL="0" marR="0" lvl="0" indent="0" algn="l" defTabSz="914400" rtl="0" eaLnBrk="1" fontAlgn="auto" latinLnBrk="0" hangingPunct="1">
+                        <a:lnSpc>
+                          <a:spcPct val="100000"/>
+                        </a:lnSpc>
+                        <a:spcBef>
+                          <a:spcPts val="0"/>
+                        </a:spcBef>
+                        <a:spcAft>
+                          <a:spcPts val="0"/>
+                        </a:spcAft>
+                        <a:buClrTx/>
+                        <a:buSzTx/>
+                        <a:buFontTx/>
+                        <a:buNone/>
+                        <a:tabLst/>
+                        <a:defRPr/>
+                      </a:pPr>
+                      <a:endParaRPr kumimoji="1" lang="ja-JP" altLang="en-US" dirty="0" smtClean="0"/>
+                    </a:p>
+                  </a:txBody>
+                  <a:tcPr>
+                    <a:lnL w="12700" cap="flat" cmpd="sng" algn="ctr">
+                      <a:solidFill>
+                        <a:schemeClr val="tx1"/>
+                      </a:solidFill>
+                      <a:prstDash val="solid"/>
+                      <a:round/>
+                      <a:headEnd type="none" w="med" len="med"/>
+                      <a:tailEnd type="none" w="med" len="med"/>
+                    </a:lnL>
+                    <a:lnR w="12700" cap="flat" cmpd="sng" algn="ctr">
+                      <a:solidFill>
+                        <a:schemeClr val="tx1"/>
+                      </a:solidFill>
+                      <a:prstDash val="solid"/>
+                      <a:round/>
+                      <a:headEnd type="none" w="med" len="med"/>
+                      <a:tailEnd type="none" w="med" len="med"/>
+                    </a:lnR>
+                    <a:lnT w="12700" cap="flat" cmpd="sng" algn="ctr">
+                      <a:solidFill>
+                        <a:schemeClr val="tx1"/>
+                      </a:solidFill>
+                      <a:prstDash val="solid"/>
+                      <a:round/>
+                      <a:headEnd type="none" w="med" len="med"/>
+                      <a:tailEnd type="none" w="med" len="med"/>
+                    </a:lnT>
+                    <a:lnB w="12700" cap="flat" cmpd="sng" algn="ctr">
+                      <a:solidFill>
+                        <a:schemeClr val="tx1"/>
+                      </a:solidFill>
+                      <a:prstDash val="solid"/>
+                      <a:round/>
+                      <a:headEnd type="none" w="med" len="med"/>
+                      <a:tailEnd type="none" w="med" len="med"/>
+                    </a:lnB>
+                  </a:tcPr>
+                </a:tc>
+                <a:tc>
+                  <a:txBody>
+                    <a:bodyPr/>
+                    <a:lstStyle/>
+                    <a:p>
+                      <a:r>
+                        <a:rPr kumimoji="1" lang="en-US" altLang="ja-JP" dirty="0" smtClean="0"/>
+                        <a:t>pub</a:t>
+                      </a:r>
+                      <a:endParaRPr kumimoji="1" lang="ja-JP" altLang="en-US" dirty="0"/>
+                    </a:p>
+                  </a:txBody>
+                  <a:tcPr>
+                    <a:lnL w="12700" cap="flat" cmpd="sng" algn="ctr">
+                      <a:solidFill>
+                        <a:schemeClr val="tx1"/>
+                      </a:solidFill>
+                      <a:prstDash val="solid"/>
+                      <a:round/>
+                      <a:headEnd type="none" w="med" len="med"/>
+                      <a:tailEnd type="none" w="med" len="med"/>
+                    </a:lnL>
+                    <a:lnR w="12700" cap="flat" cmpd="sng" algn="ctr">
+                      <a:solidFill>
+                        <a:schemeClr val="tx1"/>
+                      </a:solidFill>
+                      <a:prstDash val="solid"/>
+                      <a:round/>
+                      <a:headEnd type="none" w="med" len="med"/>
+                      <a:tailEnd type="none" w="med" len="med"/>
+                    </a:lnR>
+                    <a:lnT w="12700" cap="flat" cmpd="sng" algn="ctr">
+                      <a:solidFill>
+                        <a:schemeClr val="tx1"/>
+                      </a:solidFill>
+                      <a:prstDash val="solid"/>
+                      <a:round/>
+                      <a:headEnd type="none" w="med" len="med"/>
+                      <a:tailEnd type="none" w="med" len="med"/>
+                    </a:lnT>
+                    <a:lnB w="12700" cap="flat" cmpd="sng" algn="ctr">
+                      <a:solidFill>
+                        <a:schemeClr val="tx1"/>
+                      </a:solidFill>
+                      <a:prstDash val="solid"/>
+                      <a:round/>
+                      <a:headEnd type="none" w="med" len="med"/>
+                      <a:tailEnd type="none" w="med" len="med"/>
+                    </a:lnB>
+                  </a:tcPr>
+                </a:tc>
+                <a:tc>
+                  <a:txBody>
+                    <a:bodyPr/>
+                    <a:lstStyle/>
+                    <a:p>
+                      <a:r>
+                        <a:rPr kumimoji="1" lang="ja-JP" altLang="en-US" dirty="0" smtClean="0"/>
+                        <a:t>メッセージの配信</a:t>
+                      </a:r>
+                      <a:endParaRPr kumimoji="1" lang="ja-JP" altLang="en-US" dirty="0"/>
+                    </a:p>
+                  </a:txBody>
+                  <a:tcPr>
+                    <a:lnL w="12700" cap="flat" cmpd="sng" algn="ctr">
+                      <a:solidFill>
+                        <a:schemeClr val="tx1"/>
+                      </a:solidFill>
+                      <a:prstDash val="solid"/>
+                      <a:round/>
+                      <a:headEnd type="none" w="med" len="med"/>
+                      <a:tailEnd type="none" w="med" len="med"/>
+                    </a:lnL>
+                    <a:lnR w="12700" cap="flat" cmpd="sng" algn="ctr">
+                      <a:solidFill>
+                        <a:schemeClr val="tx1"/>
+                      </a:solidFill>
+                      <a:prstDash val="solid"/>
+                      <a:round/>
+                      <a:headEnd type="none" w="med" len="med"/>
+                      <a:tailEnd type="none" w="med" len="med"/>
+                    </a:lnR>
+                    <a:lnT w="12700" cap="flat" cmpd="sng" algn="ctr">
+                      <a:solidFill>
+                        <a:schemeClr val="tx1"/>
+                      </a:solidFill>
+                      <a:prstDash val="solid"/>
+                      <a:round/>
+                      <a:headEnd type="none" w="med" len="med"/>
+                      <a:tailEnd type="none" w="med" len="med"/>
+                    </a:lnT>
+                    <a:lnB w="12700" cap="flat" cmpd="sng" algn="ctr">
+                      <a:solidFill>
+                        <a:schemeClr val="tx1"/>
+                      </a:solidFill>
+                      <a:prstDash val="solid"/>
+                      <a:round/>
+                      <a:headEnd type="none" w="med" len="med"/>
+                      <a:tailEnd type="none" w="med" len="med"/>
+                    </a:lnB>
+                  </a:tcPr>
+                </a:tc>
+                <a:tc>
+                  <a:txBody>
+                    <a:bodyPr/>
+                    <a:lstStyle/>
+                    <a:p>
+                      <a:r>
+                        <a:rPr kumimoji="1" lang="en-US" altLang="ja-JP" dirty="0" err="1" smtClean="0"/>
+                        <a:t>rostopic</a:t>
+                      </a:r>
+                      <a:r>
+                        <a:rPr kumimoji="1" lang="en-US" altLang="ja-JP" baseline="0" dirty="0" smtClean="0"/>
+                        <a:t> pub Hz /</a:t>
+                      </a:r>
+                      <a:r>
+                        <a:rPr kumimoji="1" lang="en-US" altLang="ja-JP" baseline="0" dirty="0" err="1" smtClean="0"/>
+                        <a:t>topic_name</a:t>
+                      </a:r>
+                      <a:r>
+                        <a:rPr kumimoji="1" lang="en-US" altLang="ja-JP" baseline="0" dirty="0" smtClean="0"/>
+                        <a:t> /</a:t>
+                      </a:r>
+                      <a:r>
+                        <a:rPr kumimoji="1" lang="en-US" altLang="ja-JP" baseline="0" dirty="0" err="1" smtClean="0"/>
+                        <a:t>topic_type</a:t>
+                      </a:r>
+                      <a:r>
+                        <a:rPr kumimoji="1" lang="en-US" altLang="ja-JP" baseline="0" dirty="0" smtClean="0"/>
+                        <a:t> – a val1 val2</a:t>
+                      </a:r>
+                      <a:endParaRPr kumimoji="1" lang="ja-JP" altLang="en-US" dirty="0"/>
+                    </a:p>
+                  </a:txBody>
+                  <a:tcPr>
+                    <a:lnL w="12700" cap="flat" cmpd="sng" algn="ctr">
+                      <a:solidFill>
+                        <a:schemeClr val="tx1"/>
+                      </a:solidFill>
+                      <a:prstDash val="solid"/>
+                      <a:round/>
+                      <a:headEnd type="none" w="med" len="med"/>
+                      <a:tailEnd type="none" w="med" len="med"/>
+                    </a:lnL>
+                    <a:lnR w="12700" cap="flat" cmpd="sng" algn="ctr">
+                      <a:solidFill>
+                        <a:schemeClr val="tx1"/>
+                      </a:solidFill>
+                      <a:prstDash val="solid"/>
+                      <a:round/>
+                      <a:headEnd type="none" w="med" len="med"/>
+                      <a:tailEnd type="none" w="med" len="med"/>
+                    </a:lnR>
+                    <a:lnT w="12700" cap="flat" cmpd="sng" algn="ctr">
+                      <a:solidFill>
+                        <a:schemeClr val="tx1"/>
+                      </a:solidFill>
+                      <a:prstDash val="solid"/>
+                      <a:round/>
+                      <a:headEnd type="none" w="med" len="med"/>
+                      <a:tailEnd type="none" w="med" len="med"/>
+                    </a:lnT>
+                    <a:lnB w="12700" cap="flat" cmpd="sng" algn="ctr">
+                      <a:solidFill>
+                        <a:schemeClr val="tx1"/>
+                      </a:solidFill>
+                      <a:prstDash val="solid"/>
+                      <a:round/>
+                      <a:headEnd type="none" w="med" len="med"/>
+                      <a:tailEnd type="none" w="med" len="med"/>
+                    </a:lnB>
+                  </a:tcPr>
+                </a:tc>
+              </a:tr>
+              <a:tr h="460848">
+                <a:tc rowSpan="3">
+                  <a:txBody>
+                    <a:bodyPr/>
+                    <a:lstStyle/>
+                    <a:p>
+                      <a:pPr marL="0" marR="0" lvl="0" indent="0" algn="l" defTabSz="914400" rtl="0" eaLnBrk="1" fontAlgn="auto" latinLnBrk="0" hangingPunct="1">
+                        <a:lnSpc>
+                          <a:spcPct val="100000"/>
+                        </a:lnSpc>
+                        <a:spcBef>
+                          <a:spcPts val="0"/>
+                        </a:spcBef>
+                        <a:spcAft>
+                          <a:spcPts val="0"/>
+                        </a:spcAft>
+                        <a:buClrTx/>
+                        <a:buSzTx/>
+                        <a:buFontTx/>
+                        <a:buNone/>
+                        <a:tabLst/>
+                        <a:defRPr/>
+                      </a:pPr>
+                      <a:r>
+                        <a:rPr kumimoji="1" lang="en-US" altLang="ja-JP" dirty="0" err="1" smtClean="0"/>
+                        <a:t>rosnode</a:t>
+                      </a:r>
+                      <a:endParaRPr kumimoji="1" lang="ja-JP" altLang="en-US" dirty="0" smtClean="0"/>
+                    </a:p>
+                  </a:txBody>
+                  <a:tcPr>
+                    <a:lnL w="12700" cap="flat" cmpd="sng" algn="ctr">
+                      <a:solidFill>
+                        <a:schemeClr val="tx1"/>
+                      </a:solidFill>
+                      <a:prstDash val="solid"/>
+                      <a:round/>
+                      <a:headEnd type="none" w="med" len="med"/>
+                      <a:tailEnd type="none" w="med" len="med"/>
+                    </a:lnL>
+                    <a:lnR w="12700" cap="flat" cmpd="sng" algn="ctr">
+                      <a:solidFill>
+                        <a:schemeClr val="tx1"/>
+                      </a:solidFill>
+                      <a:prstDash val="solid"/>
+                      <a:round/>
+                      <a:headEnd type="none" w="med" len="med"/>
+                      <a:tailEnd type="none" w="med" len="med"/>
+                    </a:lnR>
+                    <a:lnT w="12700" cap="flat" cmpd="sng" algn="ctr">
+                      <a:solidFill>
+                        <a:schemeClr val="tx1"/>
+                      </a:solidFill>
+                      <a:prstDash val="solid"/>
+                      <a:round/>
+                      <a:headEnd type="none" w="med" len="med"/>
+                      <a:tailEnd type="none" w="med" len="med"/>
+                    </a:lnT>
+                    <a:lnB w="12700" cap="flat" cmpd="sng" algn="ctr">
+                      <a:solidFill>
+                        <a:schemeClr val="tx1"/>
+                      </a:solidFill>
+                      <a:prstDash val="solid"/>
+                      <a:round/>
+                      <a:headEnd type="none" w="med" len="med"/>
+                      <a:tailEnd type="none" w="med" len="med"/>
+                    </a:lnB>
+                  </a:tcPr>
+                </a:tc>
+                <a:tc>
+                  <a:txBody>
+                    <a:bodyPr/>
+                    <a:lstStyle/>
+                    <a:p>
+                      <a:r>
+                        <a:rPr kumimoji="1" lang="en-US" altLang="ja-JP" dirty="0" smtClean="0"/>
+                        <a:t>list</a:t>
+                      </a:r>
+                      <a:endParaRPr kumimoji="1" lang="ja-JP" altLang="en-US" dirty="0"/>
+                    </a:p>
+                  </a:txBody>
+                  <a:tcPr>
+                    <a:lnL w="12700" cap="flat" cmpd="sng" algn="ctr">
+                      <a:solidFill>
+                        <a:schemeClr val="tx1"/>
+                      </a:solidFill>
+                      <a:prstDash val="solid"/>
+                      <a:round/>
+                      <a:headEnd type="none" w="med" len="med"/>
+                      <a:tailEnd type="none" w="med" len="med"/>
+                    </a:lnL>
+                    <a:lnR w="12700" cap="flat" cmpd="sng" algn="ctr">
+                      <a:solidFill>
+                        <a:schemeClr val="tx1"/>
+                      </a:solidFill>
+                      <a:prstDash val="solid"/>
+                      <a:round/>
+                      <a:headEnd type="none" w="med" len="med"/>
+                      <a:tailEnd type="none" w="med" len="med"/>
+                    </a:lnR>
+                    <a:lnT w="12700" cap="flat" cmpd="sng" algn="ctr">
+                      <a:solidFill>
+                        <a:schemeClr val="tx1"/>
+                      </a:solidFill>
+                      <a:prstDash val="solid"/>
+                      <a:round/>
+                      <a:headEnd type="none" w="med" len="med"/>
+                      <a:tailEnd type="none" w="med" len="med"/>
+                    </a:lnT>
+                    <a:lnB w="12700" cap="flat" cmpd="sng" algn="ctr">
+                      <a:solidFill>
+                        <a:schemeClr val="tx1"/>
+                      </a:solidFill>
+                      <a:prstDash val="solid"/>
+                      <a:round/>
+                      <a:headEnd type="none" w="med" len="med"/>
+                      <a:tailEnd type="none" w="med" len="med"/>
+                    </a:lnB>
+                  </a:tcPr>
+                </a:tc>
+                <a:tc>
+                  <a:txBody>
+                    <a:bodyPr/>
+                    <a:lstStyle/>
+                    <a:p>
+                      <a:r>
+                        <a:rPr kumimoji="1" lang="ja-JP" altLang="en-US" dirty="0" smtClean="0"/>
+                        <a:t>アクティブノード一覧表示</a:t>
+                      </a:r>
+                      <a:endParaRPr kumimoji="1" lang="ja-JP" altLang="en-US" dirty="0"/>
+                    </a:p>
+                  </a:txBody>
+                  <a:tcPr>
+                    <a:lnL w="12700" cap="flat" cmpd="sng" algn="ctr">
+                      <a:solidFill>
+                        <a:schemeClr val="tx1"/>
+                      </a:solidFill>
+                      <a:prstDash val="solid"/>
+                      <a:round/>
+                      <a:headEnd type="none" w="med" len="med"/>
+                      <a:tailEnd type="none" w="med" len="med"/>
+                    </a:lnL>
+                    <a:lnR w="12700" cap="flat" cmpd="sng" algn="ctr">
+                      <a:solidFill>
+                        <a:schemeClr val="tx1"/>
+                      </a:solidFill>
+                      <a:prstDash val="solid"/>
+                      <a:round/>
+                      <a:headEnd type="none" w="med" len="med"/>
+                      <a:tailEnd type="none" w="med" len="med"/>
+                    </a:lnR>
+                    <a:lnT w="12700" cap="flat" cmpd="sng" algn="ctr">
+                      <a:solidFill>
+                        <a:schemeClr val="tx1"/>
+                      </a:solidFill>
+                      <a:prstDash val="solid"/>
+                      <a:round/>
+                      <a:headEnd type="none" w="med" len="med"/>
+                      <a:tailEnd type="none" w="med" len="med"/>
+                    </a:lnT>
+                    <a:lnB w="12700" cap="flat" cmpd="sng" algn="ctr">
+                      <a:solidFill>
+                        <a:schemeClr val="tx1"/>
+                      </a:solidFill>
+                      <a:prstDash val="solid"/>
+                      <a:round/>
+                      <a:headEnd type="none" w="med" len="med"/>
+                      <a:tailEnd type="none" w="med" len="med"/>
+                    </a:lnB>
+                  </a:tcPr>
+                </a:tc>
+                <a:tc>
+                  <a:txBody>
+                    <a:bodyPr/>
+                    <a:lstStyle/>
+                    <a:p>
+                      <a:r>
+                        <a:rPr kumimoji="1" lang="en-US" altLang="ja-JP" dirty="0" err="1" smtClean="0"/>
+                        <a:t>rosnode</a:t>
+                      </a:r>
+                      <a:r>
+                        <a:rPr kumimoji="1" lang="en-US" altLang="ja-JP" dirty="0" smtClean="0"/>
+                        <a:t> list</a:t>
+                      </a:r>
+                      <a:endParaRPr kumimoji="1" lang="ja-JP" altLang="en-US" dirty="0"/>
+                    </a:p>
+                  </a:txBody>
+                  <a:tcPr>
+                    <a:lnL w="12700" cap="flat" cmpd="sng" algn="ctr">
+                      <a:solidFill>
+                        <a:schemeClr val="tx1"/>
+                      </a:solidFill>
+                      <a:prstDash val="solid"/>
+                      <a:round/>
+                      <a:headEnd type="none" w="med" len="med"/>
+                      <a:tailEnd type="none" w="med" len="med"/>
+                    </a:lnL>
+                    <a:lnR w="12700" cap="flat" cmpd="sng" algn="ctr">
+                      <a:solidFill>
+                        <a:schemeClr val="tx1"/>
+                      </a:solidFill>
+                      <a:prstDash val="solid"/>
+                      <a:round/>
+                      <a:headEnd type="none" w="med" len="med"/>
+                      <a:tailEnd type="none" w="med" len="med"/>
+                    </a:lnR>
+                    <a:lnT w="12700" cap="flat" cmpd="sng" algn="ctr">
+                      <a:solidFill>
+                        <a:schemeClr val="tx1"/>
+                      </a:solidFill>
+                      <a:prstDash val="solid"/>
+                      <a:round/>
+                      <a:headEnd type="none" w="med" len="med"/>
+                      <a:tailEnd type="none" w="med" len="med"/>
+                    </a:lnT>
+                    <a:lnB w="12700" cap="flat" cmpd="sng" algn="ctr">
+                      <a:solidFill>
+                        <a:schemeClr val="tx1"/>
+                      </a:solidFill>
+                      <a:prstDash val="solid"/>
+                      <a:round/>
+                      <a:headEnd type="none" w="med" len="med"/>
+                      <a:tailEnd type="none" w="med" len="med"/>
+                    </a:lnB>
+                  </a:tcPr>
+                </a:tc>
+              </a:tr>
+              <a:tr h="356995">
+                <a:tc vMerge="1">
                   <a:txBody>
                     <a:bodyPr/>
                     <a:lstStyle/>
@@ -4758,6 +5678,10 @@
                     <a:bodyPr/>
                     <a:lstStyle/>
                     <a:p>
+                      <a:r>
+                        <a:rPr kumimoji="1" lang="en-US" altLang="ja-JP" dirty="0" smtClean="0"/>
+                        <a:t>info</a:t>
+                      </a:r>
                       <a:endParaRPr kumimoji="1" lang="ja-JP" altLang="en-US" dirty="0"/>
                     </a:p>
                   </a:txBody>
@@ -4801,6 +5725,118 @@
                   </a:tcPr>
                 </a:tc>
                 <a:tc>
+                  <a:txBody>
+                    <a:bodyPr/>
+                    <a:lstStyle/>
+                    <a:p>
+                      <a:r>
+                        <a:rPr kumimoji="1" lang="ja-JP" altLang="en-US" dirty="0" smtClean="0"/>
+                        <a:t>ノード情報の表示</a:t>
+                      </a:r>
+                      <a:endParaRPr kumimoji="1" lang="ja-JP" altLang="en-US" dirty="0"/>
+                    </a:p>
+                  </a:txBody>
+                  <a:tcPr>
+                    <a:lnL w="12700" cap="flat" cmpd="sng" algn="ctr">
+                      <a:solidFill>
+                        <a:schemeClr val="tx1"/>
+                      </a:solidFill>
+                      <a:prstDash val="solid"/>
+                      <a:round/>
+                      <a:headEnd type="none" w="med" len="med"/>
+                      <a:tailEnd type="none" w="med" len="med"/>
+                    </a:lnL>
+                    <a:lnR w="12700" cap="flat" cmpd="sng" algn="ctr">
+                      <a:solidFill>
+                        <a:schemeClr val="tx1"/>
+                      </a:solidFill>
+                      <a:prstDash val="solid"/>
+                      <a:round/>
+                      <a:headEnd type="none" w="med" len="med"/>
+                      <a:tailEnd type="none" w="med" len="med"/>
+                    </a:lnR>
+                    <a:lnT w="12700" cap="flat" cmpd="sng" algn="ctr">
+                      <a:solidFill>
+                        <a:schemeClr val="tx1"/>
+                      </a:solidFill>
+                      <a:prstDash val="solid"/>
+                      <a:round/>
+                      <a:headEnd type="none" w="med" len="med"/>
+                      <a:tailEnd type="none" w="med" len="med"/>
+                    </a:lnT>
+                    <a:lnB w="12700" cap="flat" cmpd="sng" algn="ctr">
+                      <a:solidFill>
+                        <a:schemeClr val="tx1"/>
+                      </a:solidFill>
+                      <a:prstDash val="solid"/>
+                      <a:round/>
+                      <a:headEnd type="none" w="med" len="med"/>
+                      <a:tailEnd type="none" w="med" len="med"/>
+                    </a:lnB>
+                  </a:tcPr>
+                </a:tc>
+                <a:tc>
+                  <a:txBody>
+                    <a:bodyPr/>
+                    <a:lstStyle/>
+                    <a:p>
+                      <a:r>
+                        <a:rPr kumimoji="1" lang="en-US" altLang="ja-JP" dirty="0" err="1" smtClean="0"/>
+                        <a:t>rosnode</a:t>
+                      </a:r>
+                      <a:r>
+                        <a:rPr kumimoji="1" lang="en-US" altLang="ja-JP" baseline="0" dirty="0" smtClean="0"/>
+                        <a:t> info /</a:t>
+                      </a:r>
+                      <a:r>
+                        <a:rPr kumimoji="1" lang="en-US" altLang="ja-JP" baseline="0" dirty="0" err="1" smtClean="0"/>
+                        <a:t>hoge_node</a:t>
+                      </a:r>
+                      <a:endParaRPr kumimoji="1" lang="ja-JP" altLang="en-US" dirty="0"/>
+                    </a:p>
+                  </a:txBody>
+                  <a:tcPr>
+                    <a:lnL w="12700" cap="flat" cmpd="sng" algn="ctr">
+                      <a:solidFill>
+                        <a:schemeClr val="tx1"/>
+                      </a:solidFill>
+                      <a:prstDash val="solid"/>
+                      <a:round/>
+                      <a:headEnd type="none" w="med" len="med"/>
+                      <a:tailEnd type="none" w="med" len="med"/>
+                    </a:lnL>
+                    <a:lnR w="12700" cap="flat" cmpd="sng" algn="ctr">
+                      <a:solidFill>
+                        <a:schemeClr val="tx1"/>
+                      </a:solidFill>
+                      <a:prstDash val="solid"/>
+                      <a:round/>
+                      <a:headEnd type="none" w="med" len="med"/>
+                      <a:tailEnd type="none" w="med" len="med"/>
+                    </a:lnR>
+                    <a:lnT w="12700" cap="flat" cmpd="sng" algn="ctr">
+                      <a:solidFill>
+                        <a:schemeClr val="tx1"/>
+                      </a:solidFill>
+                      <a:prstDash val="solid"/>
+                      <a:round/>
+                      <a:headEnd type="none" w="med" len="med"/>
+                      <a:tailEnd type="none" w="med" len="med"/>
+                    </a:lnT>
+                    <a:lnB w="12700" cap="flat" cmpd="sng" algn="ctr">
+                      <a:solidFill>
+                        <a:schemeClr val="tx1"/>
+                      </a:solidFill>
+                      <a:prstDash val="solid"/>
+                      <a:round/>
+                      <a:headEnd type="none" w="med" len="med"/>
+                      <a:tailEnd type="none" w="med" len="med"/>
+                    </a:lnB>
+                  </a:tcPr>
+                </a:tc>
+              </a:tr>
+              <a:tr h="460848">
+                <a:tc vMerge="1">
                   <a:txBody>
                     <a:bodyPr/>
                     <a:lstStyle/>
@@ -4852,55 +5888,10 @@
                     <a:bodyPr/>
                     <a:lstStyle/>
                     <a:p>
-                      <a:endParaRPr kumimoji="1" lang="ja-JP" altLang="en-US" dirty="0"/>
-                    </a:p>
-                  </a:txBody>
-                  <a:tcPr>
-                    <a:lnL w="12700" cap="flat" cmpd="sng" algn="ctr">
-                      <a:solidFill>
-                        <a:schemeClr val="tx1"/>
-                      </a:solidFill>
-                      <a:prstDash val="solid"/>
-                      <a:round/>
-                      <a:headEnd type="none" w="med" len="med"/>
-                      <a:tailEnd type="none" w="med" len="med"/>
-                    </a:lnL>
-                    <a:lnR w="12700" cap="flat" cmpd="sng" algn="ctr">
-                      <a:solidFill>
-                        <a:schemeClr val="tx1"/>
-                      </a:solidFill>
-                      <a:prstDash val="solid"/>
-                      <a:round/>
-                      <a:headEnd type="none" w="med" len="med"/>
-                      <a:tailEnd type="none" w="med" len="med"/>
-                    </a:lnR>
-                    <a:lnT w="12700" cap="flat" cmpd="sng" algn="ctr">
-                      <a:solidFill>
-                        <a:schemeClr val="tx1"/>
-                      </a:solidFill>
-                      <a:prstDash val="solid"/>
-                      <a:round/>
-                      <a:headEnd type="none" w="med" len="med"/>
-                      <a:tailEnd type="none" w="med" len="med"/>
-                    </a:lnT>
-                    <a:lnB w="12700" cap="flat" cmpd="sng" algn="ctr">
-                      <a:solidFill>
-                        <a:schemeClr val="tx1"/>
-                      </a:solidFill>
-                      <a:prstDash val="solid"/>
-                      <a:round/>
-                      <a:headEnd type="none" w="med" len="med"/>
-                      <a:tailEnd type="none" w="med" len="med"/>
-                    </a:lnB>
-                  </a:tcPr>
-                </a:tc>
-              </a:tr>
-              <a:tr h="476538">
-                <a:tc>
-                  <a:txBody>
-                    <a:bodyPr/>
-                    <a:lstStyle/>
-                    <a:p>
+                      <a:r>
+                        <a:rPr kumimoji="1" lang="en-US" altLang="ja-JP" dirty="0" smtClean="0"/>
+                        <a:t>ping</a:t>
+                      </a:r>
                       <a:endParaRPr kumimoji="1" lang="ja-JP" altLang="en-US" dirty="0"/>
                     </a:p>
                   </a:txBody>
@@ -4948,6 +5939,10 @@
                     <a:bodyPr/>
                     <a:lstStyle/>
                     <a:p>
+                      <a:r>
+                        <a:rPr kumimoji="1" lang="ja-JP" altLang="en-US" dirty="0" smtClean="0"/>
+                        <a:t>ノードの起動確認</a:t>
+                      </a:r>
                       <a:endParaRPr kumimoji="1" lang="ja-JP" altLang="en-US" dirty="0"/>
                     </a:p>
                   </a:txBody>
@@ -4995,813 +5990,14 @@
                     <a:bodyPr/>
                     <a:lstStyle/>
                     <a:p>
-                      <a:endParaRPr kumimoji="1" lang="ja-JP" altLang="en-US" dirty="0"/>
-                    </a:p>
-                  </a:txBody>
-                  <a:tcPr>
-                    <a:lnL w="12700" cap="flat" cmpd="sng" algn="ctr">
-                      <a:solidFill>
-                        <a:schemeClr val="tx1"/>
-                      </a:solidFill>
-                      <a:prstDash val="solid"/>
-                      <a:round/>
-                      <a:headEnd type="none" w="med" len="med"/>
-                      <a:tailEnd type="none" w="med" len="med"/>
-                    </a:lnL>
-                    <a:lnR w="12700" cap="flat" cmpd="sng" algn="ctr">
-                      <a:solidFill>
-                        <a:schemeClr val="tx1"/>
-                      </a:solidFill>
-                      <a:prstDash val="solid"/>
-                      <a:round/>
-                      <a:headEnd type="none" w="med" len="med"/>
-                      <a:tailEnd type="none" w="med" len="med"/>
-                    </a:lnR>
-                    <a:lnT w="12700" cap="flat" cmpd="sng" algn="ctr">
-                      <a:solidFill>
-                        <a:schemeClr val="tx1"/>
-                      </a:solidFill>
-                      <a:prstDash val="solid"/>
-                      <a:round/>
-                      <a:headEnd type="none" w="med" len="med"/>
-                      <a:tailEnd type="none" w="med" len="med"/>
-                    </a:lnT>
-                    <a:lnB w="12700" cap="flat" cmpd="sng" algn="ctr">
-                      <a:solidFill>
-                        <a:schemeClr val="tx1"/>
-                      </a:solidFill>
-                      <a:prstDash val="solid"/>
-                      <a:round/>
-                      <a:headEnd type="none" w="med" len="med"/>
-                      <a:tailEnd type="none" w="med" len="med"/>
-                    </a:lnB>
-                  </a:tcPr>
-                </a:tc>
-                <a:tc>
-                  <a:txBody>
-                    <a:bodyPr/>
-                    <a:lstStyle/>
-                    <a:p>
-                      <a:endParaRPr kumimoji="1" lang="ja-JP" altLang="en-US" dirty="0"/>
-                    </a:p>
-                  </a:txBody>
-                  <a:tcPr>
-                    <a:lnL w="12700" cap="flat" cmpd="sng" algn="ctr">
-                      <a:solidFill>
-                        <a:schemeClr val="tx1"/>
-                      </a:solidFill>
-                      <a:prstDash val="solid"/>
-                      <a:round/>
-                      <a:headEnd type="none" w="med" len="med"/>
-                      <a:tailEnd type="none" w="med" len="med"/>
-                    </a:lnL>
-                    <a:lnR w="12700" cap="flat" cmpd="sng" algn="ctr">
-                      <a:solidFill>
-                        <a:schemeClr val="tx1"/>
-                      </a:solidFill>
-                      <a:prstDash val="solid"/>
-                      <a:round/>
-                      <a:headEnd type="none" w="med" len="med"/>
-                      <a:tailEnd type="none" w="med" len="med"/>
-                    </a:lnR>
-                    <a:lnT w="12700" cap="flat" cmpd="sng" algn="ctr">
-                      <a:solidFill>
-                        <a:schemeClr val="tx1"/>
-                      </a:solidFill>
-                      <a:prstDash val="solid"/>
-                      <a:round/>
-                      <a:headEnd type="none" w="med" len="med"/>
-                      <a:tailEnd type="none" w="med" len="med"/>
-                    </a:lnT>
-                    <a:lnB w="12700" cap="flat" cmpd="sng" algn="ctr">
-                      <a:solidFill>
-                        <a:schemeClr val="tx1"/>
-                      </a:solidFill>
-                      <a:prstDash val="solid"/>
-                      <a:round/>
-                      <a:headEnd type="none" w="med" len="med"/>
-                      <a:tailEnd type="none" w="med" len="med"/>
-                    </a:lnB>
-                  </a:tcPr>
-                </a:tc>
-              </a:tr>
-              <a:tr h="476538">
-                <a:tc>
-                  <a:txBody>
-                    <a:bodyPr/>
-                    <a:lstStyle/>
-                    <a:p>
-                      <a:endParaRPr kumimoji="1" lang="ja-JP" altLang="en-US" dirty="0"/>
-                    </a:p>
-                  </a:txBody>
-                  <a:tcPr>
-                    <a:lnL w="12700" cap="flat" cmpd="sng" algn="ctr">
-                      <a:solidFill>
-                        <a:schemeClr val="tx1"/>
-                      </a:solidFill>
-                      <a:prstDash val="solid"/>
-                      <a:round/>
-                      <a:headEnd type="none" w="med" len="med"/>
-                      <a:tailEnd type="none" w="med" len="med"/>
-                    </a:lnL>
-                    <a:lnR w="12700" cap="flat" cmpd="sng" algn="ctr">
-                      <a:solidFill>
-                        <a:schemeClr val="tx1"/>
-                      </a:solidFill>
-                      <a:prstDash val="solid"/>
-                      <a:round/>
-                      <a:headEnd type="none" w="med" len="med"/>
-                      <a:tailEnd type="none" w="med" len="med"/>
-                    </a:lnR>
-                    <a:lnT w="12700" cap="flat" cmpd="sng" algn="ctr">
-                      <a:solidFill>
-                        <a:schemeClr val="tx1"/>
-                      </a:solidFill>
-                      <a:prstDash val="solid"/>
-                      <a:round/>
-                      <a:headEnd type="none" w="med" len="med"/>
-                      <a:tailEnd type="none" w="med" len="med"/>
-                    </a:lnT>
-                    <a:lnB w="12700" cap="flat" cmpd="sng" algn="ctr">
-                      <a:solidFill>
-                        <a:schemeClr val="tx1"/>
-                      </a:solidFill>
-                      <a:prstDash val="solid"/>
-                      <a:round/>
-                      <a:headEnd type="none" w="med" len="med"/>
-                      <a:tailEnd type="none" w="med" len="med"/>
-                    </a:lnB>
-                  </a:tcPr>
-                </a:tc>
-                <a:tc>
-                  <a:txBody>
-                    <a:bodyPr/>
-                    <a:lstStyle/>
-                    <a:p>
-                      <a:endParaRPr kumimoji="1" lang="ja-JP" altLang="en-US" dirty="0"/>
-                    </a:p>
-                  </a:txBody>
-                  <a:tcPr>
-                    <a:lnL w="12700" cap="flat" cmpd="sng" algn="ctr">
-                      <a:solidFill>
-                        <a:schemeClr val="tx1"/>
-                      </a:solidFill>
-                      <a:prstDash val="solid"/>
-                      <a:round/>
-                      <a:headEnd type="none" w="med" len="med"/>
-                      <a:tailEnd type="none" w="med" len="med"/>
-                    </a:lnL>
-                    <a:lnR w="12700" cap="flat" cmpd="sng" algn="ctr">
-                      <a:solidFill>
-                        <a:schemeClr val="tx1"/>
-                      </a:solidFill>
-                      <a:prstDash val="solid"/>
-                      <a:round/>
-                      <a:headEnd type="none" w="med" len="med"/>
-                      <a:tailEnd type="none" w="med" len="med"/>
-                    </a:lnR>
-                    <a:lnT w="12700" cap="flat" cmpd="sng" algn="ctr">
-                      <a:solidFill>
-                        <a:schemeClr val="tx1"/>
-                      </a:solidFill>
-                      <a:prstDash val="solid"/>
-                      <a:round/>
-                      <a:headEnd type="none" w="med" len="med"/>
-                      <a:tailEnd type="none" w="med" len="med"/>
-                    </a:lnT>
-                    <a:lnB w="12700" cap="flat" cmpd="sng" algn="ctr">
-                      <a:solidFill>
-                        <a:schemeClr val="tx1"/>
-                      </a:solidFill>
-                      <a:prstDash val="solid"/>
-                      <a:round/>
-                      <a:headEnd type="none" w="med" len="med"/>
-                      <a:tailEnd type="none" w="med" len="med"/>
-                    </a:lnB>
-                  </a:tcPr>
-                </a:tc>
-                <a:tc>
-                  <a:txBody>
-                    <a:bodyPr/>
-                    <a:lstStyle/>
-                    <a:p>
-                      <a:endParaRPr kumimoji="1" lang="ja-JP" altLang="en-US" dirty="0"/>
-                    </a:p>
-                  </a:txBody>
-                  <a:tcPr>
-                    <a:lnL w="12700" cap="flat" cmpd="sng" algn="ctr">
-                      <a:solidFill>
-                        <a:schemeClr val="tx1"/>
-                      </a:solidFill>
-                      <a:prstDash val="solid"/>
-                      <a:round/>
-                      <a:headEnd type="none" w="med" len="med"/>
-                      <a:tailEnd type="none" w="med" len="med"/>
-                    </a:lnL>
-                    <a:lnR w="12700" cap="flat" cmpd="sng" algn="ctr">
-                      <a:solidFill>
-                        <a:schemeClr val="tx1"/>
-                      </a:solidFill>
-                      <a:prstDash val="solid"/>
-                      <a:round/>
-                      <a:headEnd type="none" w="med" len="med"/>
-                      <a:tailEnd type="none" w="med" len="med"/>
-                    </a:lnR>
-                    <a:lnT w="12700" cap="flat" cmpd="sng" algn="ctr">
-                      <a:solidFill>
-                        <a:schemeClr val="tx1"/>
-                      </a:solidFill>
-                      <a:prstDash val="solid"/>
-                      <a:round/>
-                      <a:headEnd type="none" w="med" len="med"/>
-                      <a:tailEnd type="none" w="med" len="med"/>
-                    </a:lnT>
-                    <a:lnB w="12700" cap="flat" cmpd="sng" algn="ctr">
-                      <a:solidFill>
-                        <a:schemeClr val="tx1"/>
-                      </a:solidFill>
-                      <a:prstDash val="solid"/>
-                      <a:round/>
-                      <a:headEnd type="none" w="med" len="med"/>
-                      <a:tailEnd type="none" w="med" len="med"/>
-                    </a:lnB>
-                  </a:tcPr>
-                </a:tc>
-                <a:tc>
-                  <a:txBody>
-                    <a:bodyPr/>
-                    <a:lstStyle/>
-                    <a:p>
-                      <a:endParaRPr kumimoji="1" lang="ja-JP" altLang="en-US" dirty="0"/>
-                    </a:p>
-                  </a:txBody>
-                  <a:tcPr>
-                    <a:lnL w="12700" cap="flat" cmpd="sng" algn="ctr">
-                      <a:solidFill>
-                        <a:schemeClr val="tx1"/>
-                      </a:solidFill>
-                      <a:prstDash val="solid"/>
-                      <a:round/>
-                      <a:headEnd type="none" w="med" len="med"/>
-                      <a:tailEnd type="none" w="med" len="med"/>
-                    </a:lnL>
-                    <a:lnR w="12700" cap="flat" cmpd="sng" algn="ctr">
-                      <a:solidFill>
-                        <a:schemeClr val="tx1"/>
-                      </a:solidFill>
-                      <a:prstDash val="solid"/>
-                      <a:round/>
-                      <a:headEnd type="none" w="med" len="med"/>
-                      <a:tailEnd type="none" w="med" len="med"/>
-                    </a:lnR>
-                    <a:lnT w="12700" cap="flat" cmpd="sng" algn="ctr">
-                      <a:solidFill>
-                        <a:schemeClr val="tx1"/>
-                      </a:solidFill>
-                      <a:prstDash val="solid"/>
-                      <a:round/>
-                      <a:headEnd type="none" w="med" len="med"/>
-                      <a:tailEnd type="none" w="med" len="med"/>
-                    </a:lnT>
-                    <a:lnB w="12700" cap="flat" cmpd="sng" algn="ctr">
-                      <a:solidFill>
-                        <a:schemeClr val="tx1"/>
-                      </a:solidFill>
-                      <a:prstDash val="solid"/>
-                      <a:round/>
-                      <a:headEnd type="none" w="med" len="med"/>
-                      <a:tailEnd type="none" w="med" len="med"/>
-                    </a:lnB>
-                  </a:tcPr>
-                </a:tc>
-              </a:tr>
-              <a:tr h="476538">
-                <a:tc>
-                  <a:txBody>
-                    <a:bodyPr/>
-                    <a:lstStyle/>
-                    <a:p>
-                      <a:endParaRPr kumimoji="1" lang="ja-JP" altLang="en-US" dirty="0"/>
-                    </a:p>
-                  </a:txBody>
-                  <a:tcPr>
-                    <a:lnL w="12700" cap="flat" cmpd="sng" algn="ctr">
-                      <a:solidFill>
-                        <a:schemeClr val="tx1"/>
-                      </a:solidFill>
-                      <a:prstDash val="solid"/>
-                      <a:round/>
-                      <a:headEnd type="none" w="med" len="med"/>
-                      <a:tailEnd type="none" w="med" len="med"/>
-                    </a:lnL>
-                    <a:lnR w="12700" cap="flat" cmpd="sng" algn="ctr">
-                      <a:solidFill>
-                        <a:schemeClr val="tx1"/>
-                      </a:solidFill>
-                      <a:prstDash val="solid"/>
-                      <a:round/>
-                      <a:headEnd type="none" w="med" len="med"/>
-                      <a:tailEnd type="none" w="med" len="med"/>
-                    </a:lnR>
-                    <a:lnT w="12700" cap="flat" cmpd="sng" algn="ctr">
-                      <a:solidFill>
-                        <a:schemeClr val="tx1"/>
-                      </a:solidFill>
-                      <a:prstDash val="solid"/>
-                      <a:round/>
-                      <a:headEnd type="none" w="med" len="med"/>
-                      <a:tailEnd type="none" w="med" len="med"/>
-                    </a:lnT>
-                    <a:lnB w="12700" cap="flat" cmpd="sng" algn="ctr">
-                      <a:solidFill>
-                        <a:schemeClr val="tx1"/>
-                      </a:solidFill>
-                      <a:prstDash val="solid"/>
-                      <a:round/>
-                      <a:headEnd type="none" w="med" len="med"/>
-                      <a:tailEnd type="none" w="med" len="med"/>
-                    </a:lnB>
-                  </a:tcPr>
-                </a:tc>
-                <a:tc>
-                  <a:txBody>
-                    <a:bodyPr/>
-                    <a:lstStyle/>
-                    <a:p>
-                      <a:endParaRPr kumimoji="1" lang="ja-JP" altLang="en-US" dirty="0"/>
-                    </a:p>
-                  </a:txBody>
-                  <a:tcPr>
-                    <a:lnL w="12700" cap="flat" cmpd="sng" algn="ctr">
-                      <a:solidFill>
-                        <a:schemeClr val="tx1"/>
-                      </a:solidFill>
-                      <a:prstDash val="solid"/>
-                      <a:round/>
-                      <a:headEnd type="none" w="med" len="med"/>
-                      <a:tailEnd type="none" w="med" len="med"/>
-                    </a:lnL>
-                    <a:lnR w="12700" cap="flat" cmpd="sng" algn="ctr">
-                      <a:solidFill>
-                        <a:schemeClr val="tx1"/>
-                      </a:solidFill>
-                      <a:prstDash val="solid"/>
-                      <a:round/>
-                      <a:headEnd type="none" w="med" len="med"/>
-                      <a:tailEnd type="none" w="med" len="med"/>
-                    </a:lnR>
-                    <a:lnT w="12700" cap="flat" cmpd="sng" algn="ctr">
-                      <a:solidFill>
-                        <a:schemeClr val="tx1"/>
-                      </a:solidFill>
-                      <a:prstDash val="solid"/>
-                      <a:round/>
-                      <a:headEnd type="none" w="med" len="med"/>
-                      <a:tailEnd type="none" w="med" len="med"/>
-                    </a:lnT>
-                    <a:lnB w="12700" cap="flat" cmpd="sng" algn="ctr">
-                      <a:solidFill>
-                        <a:schemeClr val="tx1"/>
-                      </a:solidFill>
-                      <a:prstDash val="solid"/>
-                      <a:round/>
-                      <a:headEnd type="none" w="med" len="med"/>
-                      <a:tailEnd type="none" w="med" len="med"/>
-                    </a:lnB>
-                  </a:tcPr>
-                </a:tc>
-                <a:tc>
-                  <a:txBody>
-                    <a:bodyPr/>
-                    <a:lstStyle/>
-                    <a:p>
-                      <a:endParaRPr kumimoji="1" lang="ja-JP" altLang="en-US" dirty="0"/>
-                    </a:p>
-                  </a:txBody>
-                  <a:tcPr>
-                    <a:lnL w="12700" cap="flat" cmpd="sng" algn="ctr">
-                      <a:solidFill>
-                        <a:schemeClr val="tx1"/>
-                      </a:solidFill>
-                      <a:prstDash val="solid"/>
-                      <a:round/>
-                      <a:headEnd type="none" w="med" len="med"/>
-                      <a:tailEnd type="none" w="med" len="med"/>
-                    </a:lnL>
-                    <a:lnR w="12700" cap="flat" cmpd="sng" algn="ctr">
-                      <a:solidFill>
-                        <a:schemeClr val="tx1"/>
-                      </a:solidFill>
-                      <a:prstDash val="solid"/>
-                      <a:round/>
-                      <a:headEnd type="none" w="med" len="med"/>
-                      <a:tailEnd type="none" w="med" len="med"/>
-                    </a:lnR>
-                    <a:lnT w="12700" cap="flat" cmpd="sng" algn="ctr">
-                      <a:solidFill>
-                        <a:schemeClr val="tx1"/>
-                      </a:solidFill>
-                      <a:prstDash val="solid"/>
-                      <a:round/>
-                      <a:headEnd type="none" w="med" len="med"/>
-                      <a:tailEnd type="none" w="med" len="med"/>
-                    </a:lnT>
-                    <a:lnB w="12700" cap="flat" cmpd="sng" algn="ctr">
-                      <a:solidFill>
-                        <a:schemeClr val="tx1"/>
-                      </a:solidFill>
-                      <a:prstDash val="solid"/>
-                      <a:round/>
-                      <a:headEnd type="none" w="med" len="med"/>
-                      <a:tailEnd type="none" w="med" len="med"/>
-                    </a:lnB>
-                  </a:tcPr>
-                </a:tc>
-                <a:tc>
-                  <a:txBody>
-                    <a:bodyPr/>
-                    <a:lstStyle/>
-                    <a:p>
-                      <a:endParaRPr kumimoji="1" lang="ja-JP" altLang="en-US" dirty="0"/>
-                    </a:p>
-                  </a:txBody>
-                  <a:tcPr>
-                    <a:lnL w="12700" cap="flat" cmpd="sng" algn="ctr">
-                      <a:solidFill>
-                        <a:schemeClr val="tx1"/>
-                      </a:solidFill>
-                      <a:prstDash val="solid"/>
-                      <a:round/>
-                      <a:headEnd type="none" w="med" len="med"/>
-                      <a:tailEnd type="none" w="med" len="med"/>
-                    </a:lnL>
-                    <a:lnR w="12700" cap="flat" cmpd="sng" algn="ctr">
-                      <a:solidFill>
-                        <a:schemeClr val="tx1"/>
-                      </a:solidFill>
-                      <a:prstDash val="solid"/>
-                      <a:round/>
-                      <a:headEnd type="none" w="med" len="med"/>
-                      <a:tailEnd type="none" w="med" len="med"/>
-                    </a:lnR>
-                    <a:lnT w="12700" cap="flat" cmpd="sng" algn="ctr">
-                      <a:solidFill>
-                        <a:schemeClr val="tx1"/>
-                      </a:solidFill>
-                      <a:prstDash val="solid"/>
-                      <a:round/>
-                      <a:headEnd type="none" w="med" len="med"/>
-                      <a:tailEnd type="none" w="med" len="med"/>
-                    </a:lnT>
-                    <a:lnB w="12700" cap="flat" cmpd="sng" algn="ctr">
-                      <a:solidFill>
-                        <a:schemeClr val="tx1"/>
-                      </a:solidFill>
-                      <a:prstDash val="solid"/>
-                      <a:round/>
-                      <a:headEnd type="none" w="med" len="med"/>
-                      <a:tailEnd type="none" w="med" len="med"/>
-                    </a:lnB>
-                  </a:tcPr>
-                </a:tc>
-              </a:tr>
-              <a:tr h="476538">
-                <a:tc>
-                  <a:txBody>
-                    <a:bodyPr/>
-                    <a:lstStyle/>
-                    <a:p>
-                      <a:endParaRPr kumimoji="1" lang="ja-JP" altLang="en-US" dirty="0"/>
-                    </a:p>
-                  </a:txBody>
-                  <a:tcPr>
-                    <a:lnL w="12700" cap="flat" cmpd="sng" algn="ctr">
-                      <a:solidFill>
-                        <a:schemeClr val="tx1"/>
-                      </a:solidFill>
-                      <a:prstDash val="solid"/>
-                      <a:round/>
-                      <a:headEnd type="none" w="med" len="med"/>
-                      <a:tailEnd type="none" w="med" len="med"/>
-                    </a:lnL>
-                    <a:lnR w="12700" cap="flat" cmpd="sng" algn="ctr">
-                      <a:solidFill>
-                        <a:schemeClr val="tx1"/>
-                      </a:solidFill>
-                      <a:prstDash val="solid"/>
-                      <a:round/>
-                      <a:headEnd type="none" w="med" len="med"/>
-                      <a:tailEnd type="none" w="med" len="med"/>
-                    </a:lnR>
-                    <a:lnT w="12700" cap="flat" cmpd="sng" algn="ctr">
-                      <a:solidFill>
-                        <a:schemeClr val="tx1"/>
-                      </a:solidFill>
-                      <a:prstDash val="solid"/>
-                      <a:round/>
-                      <a:headEnd type="none" w="med" len="med"/>
-                      <a:tailEnd type="none" w="med" len="med"/>
-                    </a:lnT>
-                    <a:lnB w="12700" cap="flat" cmpd="sng" algn="ctr">
-                      <a:solidFill>
-                        <a:schemeClr val="tx1"/>
-                      </a:solidFill>
-                      <a:prstDash val="solid"/>
-                      <a:round/>
-                      <a:headEnd type="none" w="med" len="med"/>
-                      <a:tailEnd type="none" w="med" len="med"/>
-                    </a:lnB>
-                  </a:tcPr>
-                </a:tc>
-                <a:tc>
-                  <a:txBody>
-                    <a:bodyPr/>
-                    <a:lstStyle/>
-                    <a:p>
-                      <a:endParaRPr kumimoji="1" lang="ja-JP" altLang="en-US" dirty="0"/>
-                    </a:p>
-                  </a:txBody>
-                  <a:tcPr>
-                    <a:lnL w="12700" cap="flat" cmpd="sng" algn="ctr">
-                      <a:solidFill>
-                        <a:schemeClr val="tx1"/>
-                      </a:solidFill>
-                      <a:prstDash val="solid"/>
-                      <a:round/>
-                      <a:headEnd type="none" w="med" len="med"/>
-                      <a:tailEnd type="none" w="med" len="med"/>
-                    </a:lnL>
-                    <a:lnR w="12700" cap="flat" cmpd="sng" algn="ctr">
-                      <a:solidFill>
-                        <a:schemeClr val="tx1"/>
-                      </a:solidFill>
-                      <a:prstDash val="solid"/>
-                      <a:round/>
-                      <a:headEnd type="none" w="med" len="med"/>
-                      <a:tailEnd type="none" w="med" len="med"/>
-                    </a:lnR>
-                    <a:lnT w="12700" cap="flat" cmpd="sng" algn="ctr">
-                      <a:solidFill>
-                        <a:schemeClr val="tx1"/>
-                      </a:solidFill>
-                      <a:prstDash val="solid"/>
-                      <a:round/>
-                      <a:headEnd type="none" w="med" len="med"/>
-                      <a:tailEnd type="none" w="med" len="med"/>
-                    </a:lnT>
-                    <a:lnB w="12700" cap="flat" cmpd="sng" algn="ctr">
-                      <a:solidFill>
-                        <a:schemeClr val="tx1"/>
-                      </a:solidFill>
-                      <a:prstDash val="solid"/>
-                      <a:round/>
-                      <a:headEnd type="none" w="med" len="med"/>
-                      <a:tailEnd type="none" w="med" len="med"/>
-                    </a:lnB>
-                  </a:tcPr>
-                </a:tc>
-                <a:tc>
-                  <a:txBody>
-                    <a:bodyPr/>
-                    <a:lstStyle/>
-                    <a:p>
-                      <a:endParaRPr kumimoji="1" lang="ja-JP" altLang="en-US" dirty="0"/>
-                    </a:p>
-                  </a:txBody>
-                  <a:tcPr>
-                    <a:lnL w="12700" cap="flat" cmpd="sng" algn="ctr">
-                      <a:solidFill>
-                        <a:schemeClr val="tx1"/>
-                      </a:solidFill>
-                      <a:prstDash val="solid"/>
-                      <a:round/>
-                      <a:headEnd type="none" w="med" len="med"/>
-                      <a:tailEnd type="none" w="med" len="med"/>
-                    </a:lnL>
-                    <a:lnR w="12700" cap="flat" cmpd="sng" algn="ctr">
-                      <a:solidFill>
-                        <a:schemeClr val="tx1"/>
-                      </a:solidFill>
-                      <a:prstDash val="solid"/>
-                      <a:round/>
-                      <a:headEnd type="none" w="med" len="med"/>
-                      <a:tailEnd type="none" w="med" len="med"/>
-                    </a:lnR>
-                    <a:lnT w="12700" cap="flat" cmpd="sng" algn="ctr">
-                      <a:solidFill>
-                        <a:schemeClr val="tx1"/>
-                      </a:solidFill>
-                      <a:prstDash val="solid"/>
-                      <a:round/>
-                      <a:headEnd type="none" w="med" len="med"/>
-                      <a:tailEnd type="none" w="med" len="med"/>
-                    </a:lnT>
-                    <a:lnB w="12700" cap="flat" cmpd="sng" algn="ctr">
-                      <a:solidFill>
-                        <a:schemeClr val="tx1"/>
-                      </a:solidFill>
-                      <a:prstDash val="solid"/>
-                      <a:round/>
-                      <a:headEnd type="none" w="med" len="med"/>
-                      <a:tailEnd type="none" w="med" len="med"/>
-                    </a:lnB>
-                  </a:tcPr>
-                </a:tc>
-                <a:tc>
-                  <a:txBody>
-                    <a:bodyPr/>
-                    <a:lstStyle/>
-                    <a:p>
-                      <a:endParaRPr kumimoji="1" lang="ja-JP" altLang="en-US" dirty="0"/>
-                    </a:p>
-                  </a:txBody>
-                  <a:tcPr>
-                    <a:lnL w="12700" cap="flat" cmpd="sng" algn="ctr">
-                      <a:solidFill>
-                        <a:schemeClr val="tx1"/>
-                      </a:solidFill>
-                      <a:prstDash val="solid"/>
-                      <a:round/>
-                      <a:headEnd type="none" w="med" len="med"/>
-                      <a:tailEnd type="none" w="med" len="med"/>
-                    </a:lnL>
-                    <a:lnR w="12700" cap="flat" cmpd="sng" algn="ctr">
-                      <a:solidFill>
-                        <a:schemeClr val="tx1"/>
-                      </a:solidFill>
-                      <a:prstDash val="solid"/>
-                      <a:round/>
-                      <a:headEnd type="none" w="med" len="med"/>
-                      <a:tailEnd type="none" w="med" len="med"/>
-                    </a:lnR>
-                    <a:lnT w="12700" cap="flat" cmpd="sng" algn="ctr">
-                      <a:solidFill>
-                        <a:schemeClr val="tx1"/>
-                      </a:solidFill>
-                      <a:prstDash val="solid"/>
-                      <a:round/>
-                      <a:headEnd type="none" w="med" len="med"/>
-                      <a:tailEnd type="none" w="med" len="med"/>
-                    </a:lnT>
-                    <a:lnB w="12700" cap="flat" cmpd="sng" algn="ctr">
-                      <a:solidFill>
-                        <a:schemeClr val="tx1"/>
-                      </a:solidFill>
-                      <a:prstDash val="solid"/>
-                      <a:round/>
-                      <a:headEnd type="none" w="med" len="med"/>
-                      <a:tailEnd type="none" w="med" len="med"/>
-                    </a:lnB>
-                  </a:tcPr>
-                </a:tc>
-              </a:tr>
-              <a:tr h="476538">
-                <a:tc>
-                  <a:txBody>
-                    <a:bodyPr/>
-                    <a:lstStyle/>
-                    <a:p>
-                      <a:endParaRPr kumimoji="1" lang="ja-JP" altLang="en-US" dirty="0"/>
-                    </a:p>
-                  </a:txBody>
-                  <a:tcPr>
-                    <a:lnL w="12700" cap="flat" cmpd="sng" algn="ctr">
-                      <a:solidFill>
-                        <a:schemeClr val="tx1"/>
-                      </a:solidFill>
-                      <a:prstDash val="solid"/>
-                      <a:round/>
-                      <a:headEnd type="none" w="med" len="med"/>
-                      <a:tailEnd type="none" w="med" len="med"/>
-                    </a:lnL>
-                    <a:lnR w="12700" cap="flat" cmpd="sng" algn="ctr">
-                      <a:solidFill>
-                        <a:schemeClr val="tx1"/>
-                      </a:solidFill>
-                      <a:prstDash val="solid"/>
-                      <a:round/>
-                      <a:headEnd type="none" w="med" len="med"/>
-                      <a:tailEnd type="none" w="med" len="med"/>
-                    </a:lnR>
-                    <a:lnT w="12700" cap="flat" cmpd="sng" algn="ctr">
-                      <a:solidFill>
-                        <a:schemeClr val="tx1"/>
-                      </a:solidFill>
-                      <a:prstDash val="solid"/>
-                      <a:round/>
-                      <a:headEnd type="none" w="med" len="med"/>
-                      <a:tailEnd type="none" w="med" len="med"/>
-                    </a:lnT>
-                    <a:lnB w="12700" cap="flat" cmpd="sng" algn="ctr">
-                      <a:solidFill>
-                        <a:schemeClr val="tx1"/>
-                      </a:solidFill>
-                      <a:prstDash val="solid"/>
-                      <a:round/>
-                      <a:headEnd type="none" w="med" len="med"/>
-                      <a:tailEnd type="none" w="med" len="med"/>
-                    </a:lnB>
-                  </a:tcPr>
-                </a:tc>
-                <a:tc>
-                  <a:txBody>
-                    <a:bodyPr/>
-                    <a:lstStyle/>
-                    <a:p>
-                      <a:endParaRPr kumimoji="1" lang="ja-JP" altLang="en-US" dirty="0"/>
-                    </a:p>
-                  </a:txBody>
-                  <a:tcPr>
-                    <a:lnL w="12700" cap="flat" cmpd="sng" algn="ctr">
-                      <a:solidFill>
-                        <a:schemeClr val="tx1"/>
-                      </a:solidFill>
-                      <a:prstDash val="solid"/>
-                      <a:round/>
-                      <a:headEnd type="none" w="med" len="med"/>
-                      <a:tailEnd type="none" w="med" len="med"/>
-                    </a:lnL>
-                    <a:lnR w="12700" cap="flat" cmpd="sng" algn="ctr">
-                      <a:solidFill>
-                        <a:schemeClr val="tx1"/>
-                      </a:solidFill>
-                      <a:prstDash val="solid"/>
-                      <a:round/>
-                      <a:headEnd type="none" w="med" len="med"/>
-                      <a:tailEnd type="none" w="med" len="med"/>
-                    </a:lnR>
-                    <a:lnT w="12700" cap="flat" cmpd="sng" algn="ctr">
-                      <a:solidFill>
-                        <a:schemeClr val="tx1"/>
-                      </a:solidFill>
-                      <a:prstDash val="solid"/>
-                      <a:round/>
-                      <a:headEnd type="none" w="med" len="med"/>
-                      <a:tailEnd type="none" w="med" len="med"/>
-                    </a:lnT>
-                    <a:lnB w="12700" cap="flat" cmpd="sng" algn="ctr">
-                      <a:solidFill>
-                        <a:schemeClr val="tx1"/>
-                      </a:solidFill>
-                      <a:prstDash val="solid"/>
-                      <a:round/>
-                      <a:headEnd type="none" w="med" len="med"/>
-                      <a:tailEnd type="none" w="med" len="med"/>
-                    </a:lnB>
-                  </a:tcPr>
-                </a:tc>
-                <a:tc>
-                  <a:txBody>
-                    <a:bodyPr/>
-                    <a:lstStyle/>
-                    <a:p>
-                      <a:endParaRPr kumimoji="1" lang="ja-JP" altLang="en-US" dirty="0"/>
-                    </a:p>
-                  </a:txBody>
-                  <a:tcPr>
-                    <a:lnL w="12700" cap="flat" cmpd="sng" algn="ctr">
-                      <a:solidFill>
-                        <a:schemeClr val="tx1"/>
-                      </a:solidFill>
-                      <a:prstDash val="solid"/>
-                      <a:round/>
-                      <a:headEnd type="none" w="med" len="med"/>
-                      <a:tailEnd type="none" w="med" len="med"/>
-                    </a:lnL>
-                    <a:lnR w="12700" cap="flat" cmpd="sng" algn="ctr">
-                      <a:solidFill>
-                        <a:schemeClr val="tx1"/>
-                      </a:solidFill>
-                      <a:prstDash val="solid"/>
-                      <a:round/>
-                      <a:headEnd type="none" w="med" len="med"/>
-                      <a:tailEnd type="none" w="med" len="med"/>
-                    </a:lnR>
-                    <a:lnT w="12700" cap="flat" cmpd="sng" algn="ctr">
-                      <a:solidFill>
-                        <a:schemeClr val="tx1"/>
-                      </a:solidFill>
-                      <a:prstDash val="solid"/>
-                      <a:round/>
-                      <a:headEnd type="none" w="med" len="med"/>
-                      <a:tailEnd type="none" w="med" len="med"/>
-                    </a:lnT>
-                    <a:lnB w="12700" cap="flat" cmpd="sng" algn="ctr">
-                      <a:solidFill>
-                        <a:schemeClr val="tx1"/>
-                      </a:solidFill>
-                      <a:prstDash val="solid"/>
-                      <a:round/>
-                      <a:headEnd type="none" w="med" len="med"/>
-                      <a:tailEnd type="none" w="med" len="med"/>
-                    </a:lnB>
-                  </a:tcPr>
-                </a:tc>
-                <a:tc>
-                  <a:txBody>
-                    <a:bodyPr/>
-                    <a:lstStyle/>
-                    <a:p>
+                      <a:r>
+                        <a:rPr kumimoji="1" lang="en-US" altLang="ja-JP" dirty="0" err="1" smtClean="0"/>
+                        <a:t>rosnode</a:t>
+                      </a:r>
+                      <a:r>
+                        <a:rPr kumimoji="1" lang="en-US" altLang="ja-JP" dirty="0" smtClean="0"/>
+                        <a:t> ping publisher</a:t>
+                      </a:r>
                       <a:endParaRPr kumimoji="1" lang="ja-JP" altLang="en-US" dirty="0"/>
                     </a:p>
                   </a:txBody>
@@ -5853,6 +6049,80 @@
     <p:extLst>
       <p:ext uri="{BB962C8B-B14F-4D97-AF65-F5344CB8AC3E}">
         <p14:creationId xmlns:p14="http://schemas.microsoft.com/office/powerpoint/2010/main" val="1893193960"/>
+      </p:ext>
+    </p:extLst>
+  </p:cSld>
+  <p:clrMapOvr>
+    <a:masterClrMapping/>
+  </p:clrMapOvr>
+</p:sld>
+</file>
+
+<file path=ppt/slides/slide2.xml><?xml version="1.0" encoding="utf-8"?>
+<p:sld xmlns:a="http://schemas.openxmlformats.org/drawingml/2006/main" xmlns:r="http://schemas.openxmlformats.org/officeDocument/2006/relationships" xmlns:p="http://schemas.openxmlformats.org/presentationml/2006/main">
+  <p:cSld>
+    <p:spTree>
+      <p:nvGrpSpPr>
+        <p:cNvPr id="1" name=""/>
+        <p:cNvGrpSpPr/>
+        <p:nvPr/>
+      </p:nvGrpSpPr>
+      <p:grpSpPr>
+        <a:xfrm>
+          <a:off x="0" y="0"/>
+          <a:ext cx="0" cy="0"/>
+          <a:chOff x="0" y="0"/>
+          <a:chExt cx="0" cy="0"/>
+        </a:xfrm>
+      </p:grpSpPr>
+      <p:sp>
+        <p:nvSpPr>
+          <p:cNvPr id="2" name="タイトル 1"/>
+          <p:cNvSpPr>
+            <a:spLocks noGrp="1"/>
+          </p:cNvSpPr>
+          <p:nvPr>
+            <p:ph type="title"/>
+          </p:nvPr>
+        </p:nvSpPr>
+        <p:spPr/>
+        <p:txBody>
+          <a:bodyPr>
+            <a:normAutofit fontScale="90000"/>
+          </a:bodyPr>
+          <a:lstStyle/>
+          <a:p>
+            <a:r>
+              <a:rPr kumimoji="1" lang="en-US" altLang="ja-JP" dirty="0" err="1" smtClean="0"/>
+              <a:t>tf</a:t>
+            </a:r>
+            <a:endParaRPr kumimoji="1" lang="ja-JP" altLang="en-US" dirty="0"/>
+          </a:p>
+        </p:txBody>
+      </p:sp>
+      <p:sp>
+        <p:nvSpPr>
+          <p:cNvPr id="3" name="コンテンツ プレースホルダー 2"/>
+          <p:cNvSpPr>
+            <a:spLocks noGrp="1"/>
+          </p:cNvSpPr>
+          <p:nvPr>
+            <p:ph idx="1"/>
+          </p:nvPr>
+        </p:nvSpPr>
+        <p:spPr/>
+        <p:txBody>
+          <a:bodyPr/>
+          <a:lstStyle/>
+          <a:p>
+            <a:endParaRPr kumimoji="1" lang="ja-JP" altLang="en-US"/>
+          </a:p>
+        </p:txBody>
+      </p:sp>
+    </p:spTree>
+    <p:extLst>
+      <p:ext uri="{BB962C8B-B14F-4D97-AF65-F5344CB8AC3E}">
+        <p14:creationId xmlns:p14="http://schemas.microsoft.com/office/powerpoint/2010/main" val="2615768995"/>
       </p:ext>
     </p:extLst>
   </p:cSld>
